--- a/Prezentacja1.pptx
+++ b/Prezentacja1.pptx
@@ -9,6 +9,7 @@
     <p:sldId id="257" r:id="rId3"/>
     <p:sldId id="258" r:id="rId4"/>
     <p:sldId id="259" r:id="rId5"/>
+    <p:sldId id="260" r:id="rId6"/>
   </p:sldIdLst>
   <p:sldSz cx="12192000" cy="6858000"/>
   <p:notesSz cx="6858000" cy="9144000"/>
@@ -107,6 +108,11 @@
       </a:defRPr>
     </a:lvl9pPr>
   </p:defaultTextStyle>
+  <p:extLst>
+    <p:ext uri="{EFAFB233-063F-42B5-8137-9DF3F51BA10A}">
+      <p15:sldGuideLst xmlns:p15="http://schemas.microsoft.com/office/powerpoint/2012/main"/>
+    </p:ext>
+  </p:extLst>
 </p:presentation>
 </file>
 
@@ -257,7 +263,7 @@
           <a:p>
             <a:fld id="{69D9E69E-DC33-4191-875B-EFD2B03B6A9B}" type="datetimeFigureOut">
               <a:rPr lang="pl-PL" smtClean="0"/>
-              <a:t>27.01.2020</a:t>
+              <a:t>28.01.2020</a:t>
             </a:fld>
             <a:endParaRPr lang="pl-PL"/>
           </a:p>
@@ -455,7 +461,7 @@
           <a:p>
             <a:fld id="{69D9E69E-DC33-4191-875B-EFD2B03B6A9B}" type="datetimeFigureOut">
               <a:rPr lang="pl-PL" smtClean="0"/>
-              <a:t>27.01.2020</a:t>
+              <a:t>28.01.2020</a:t>
             </a:fld>
             <a:endParaRPr lang="pl-PL"/>
           </a:p>
@@ -663,7 +669,7 @@
           <a:p>
             <a:fld id="{69D9E69E-DC33-4191-875B-EFD2B03B6A9B}" type="datetimeFigureOut">
               <a:rPr lang="pl-PL" smtClean="0"/>
-              <a:t>27.01.2020</a:t>
+              <a:t>28.01.2020</a:t>
             </a:fld>
             <a:endParaRPr lang="pl-PL"/>
           </a:p>
@@ -861,7 +867,7 @@
           <a:p>
             <a:fld id="{69D9E69E-DC33-4191-875B-EFD2B03B6A9B}" type="datetimeFigureOut">
               <a:rPr lang="pl-PL" smtClean="0"/>
-              <a:t>27.01.2020</a:t>
+              <a:t>28.01.2020</a:t>
             </a:fld>
             <a:endParaRPr lang="pl-PL"/>
           </a:p>
@@ -1136,7 +1142,7 @@
           <a:p>
             <a:fld id="{69D9E69E-DC33-4191-875B-EFD2B03B6A9B}" type="datetimeFigureOut">
               <a:rPr lang="pl-PL" smtClean="0"/>
-              <a:t>27.01.2020</a:t>
+              <a:t>28.01.2020</a:t>
             </a:fld>
             <a:endParaRPr lang="pl-PL"/>
           </a:p>
@@ -1401,7 +1407,7 @@
           <a:p>
             <a:fld id="{69D9E69E-DC33-4191-875B-EFD2B03B6A9B}" type="datetimeFigureOut">
               <a:rPr lang="pl-PL" smtClean="0"/>
-              <a:t>27.01.2020</a:t>
+              <a:t>28.01.2020</a:t>
             </a:fld>
             <a:endParaRPr lang="pl-PL"/>
           </a:p>
@@ -1813,7 +1819,7 @@
           <a:p>
             <a:fld id="{69D9E69E-DC33-4191-875B-EFD2B03B6A9B}" type="datetimeFigureOut">
               <a:rPr lang="pl-PL" smtClean="0"/>
-              <a:t>27.01.2020</a:t>
+              <a:t>28.01.2020</a:t>
             </a:fld>
             <a:endParaRPr lang="pl-PL"/>
           </a:p>
@@ -1954,7 +1960,7 @@
           <a:p>
             <a:fld id="{69D9E69E-DC33-4191-875B-EFD2B03B6A9B}" type="datetimeFigureOut">
               <a:rPr lang="pl-PL" smtClean="0"/>
-              <a:t>27.01.2020</a:t>
+              <a:t>28.01.2020</a:t>
             </a:fld>
             <a:endParaRPr lang="pl-PL"/>
           </a:p>
@@ -2067,7 +2073,7 @@
           <a:p>
             <a:fld id="{69D9E69E-DC33-4191-875B-EFD2B03B6A9B}" type="datetimeFigureOut">
               <a:rPr lang="pl-PL" smtClean="0"/>
-              <a:t>27.01.2020</a:t>
+              <a:t>28.01.2020</a:t>
             </a:fld>
             <a:endParaRPr lang="pl-PL"/>
           </a:p>
@@ -2378,7 +2384,7 @@
           <a:p>
             <a:fld id="{69D9E69E-DC33-4191-875B-EFD2B03B6A9B}" type="datetimeFigureOut">
               <a:rPr lang="pl-PL" smtClean="0"/>
-              <a:t>27.01.2020</a:t>
+              <a:t>28.01.2020</a:t>
             </a:fld>
             <a:endParaRPr lang="pl-PL"/>
           </a:p>
@@ -2666,7 +2672,7 @@
           <a:p>
             <a:fld id="{69D9E69E-DC33-4191-875B-EFD2B03B6A9B}" type="datetimeFigureOut">
               <a:rPr lang="pl-PL" smtClean="0"/>
-              <a:t>27.01.2020</a:t>
+              <a:t>28.01.2020</a:t>
             </a:fld>
             <a:endParaRPr lang="pl-PL"/>
           </a:p>
@@ -2907,7 +2913,7 @@
           <a:p>
             <a:fld id="{69D9E69E-DC33-4191-875B-EFD2B03B6A9B}" type="datetimeFigureOut">
               <a:rPr lang="pl-PL" smtClean="0"/>
-              <a:t>27.01.2020</a:t>
+              <a:t>28.01.2020</a:t>
             </a:fld>
             <a:endParaRPr lang="pl-PL"/>
           </a:p>
@@ -7756,6 +7762,1381 @@
 </p:sld>
 </file>
 
+<file path=ppt/slides/slide5.xml><?xml version="1.0" encoding="utf-8"?>
+<p:sld xmlns:a="http://schemas.openxmlformats.org/drawingml/2006/main" xmlns:r="http://schemas.openxmlformats.org/officeDocument/2006/relationships" xmlns:p="http://schemas.openxmlformats.org/presentationml/2006/main">
+  <p:cSld>
+    <p:spTree>
+      <p:nvGrpSpPr>
+        <p:cNvPr id="1" name=""/>
+        <p:cNvGrpSpPr/>
+        <p:nvPr/>
+      </p:nvGrpSpPr>
+      <p:grpSpPr>
+        <a:xfrm>
+          <a:off x="0" y="0"/>
+          <a:ext cx="0" cy="0"/>
+          <a:chOff x="0" y="0"/>
+          <a:chExt cx="0" cy="0"/>
+        </a:xfrm>
+      </p:grpSpPr>
+      <p:sp>
+        <p:nvSpPr>
+          <p:cNvPr id="18" name="Dowolny kształt: kształt 17">
+            <a:extLst>
+              <a:ext uri="{FF2B5EF4-FFF2-40B4-BE49-F238E27FC236}">
+                <a16:creationId xmlns:a16="http://schemas.microsoft.com/office/drawing/2014/main" id="{581788AF-AFF2-4CD1-A9BB-0C22528BA6AF}"/>
+              </a:ext>
+            </a:extLst>
+          </p:cNvPr>
+          <p:cNvSpPr/>
+          <p:nvPr/>
+        </p:nvSpPr>
+        <p:spPr>
+          <a:xfrm>
+            <a:off x="3416573" y="3780479"/>
+            <a:ext cx="2406874" cy="1753671"/>
+          </a:xfrm>
+          <a:custGeom>
+            <a:avLst/>
+            <a:gdLst>
+              <a:gd name="connsiteX0" fmla="*/ 12427 w 2406874"/>
+              <a:gd name="connsiteY0" fmla="*/ 1394771 h 1753671"/>
+              <a:gd name="connsiteX1" fmla="*/ 774427 w 2406874"/>
+              <a:gd name="connsiteY1" fmla="*/ 651821 h 1753671"/>
+              <a:gd name="connsiteX2" fmla="*/ 964927 w 2406874"/>
+              <a:gd name="connsiteY2" fmla="*/ 48571 h 1753671"/>
+              <a:gd name="connsiteX3" fmla="*/ 1149077 w 2406874"/>
+              <a:gd name="connsiteY3" fmla="*/ 80321 h 1753671"/>
+              <a:gd name="connsiteX4" fmla="*/ 1384027 w 2406874"/>
+              <a:gd name="connsiteY4" fmla="*/ 429571 h 1753671"/>
+              <a:gd name="connsiteX5" fmla="*/ 1790427 w 2406874"/>
+              <a:gd name="connsiteY5" fmla="*/ 931221 h 1753671"/>
+              <a:gd name="connsiteX6" fmla="*/ 2330177 w 2406874"/>
+              <a:gd name="connsiteY6" fmla="*/ 1540821 h 1753671"/>
+              <a:gd name="connsiteX7" fmla="*/ 2196827 w 2406874"/>
+              <a:gd name="connsiteY7" fmla="*/ 1731321 h 1753671"/>
+              <a:gd name="connsiteX8" fmla="*/ 444227 w 2406874"/>
+              <a:gd name="connsiteY8" fmla="*/ 1712271 h 1753671"/>
+              <a:gd name="connsiteX9" fmla="*/ 12427 w 2406874"/>
+              <a:gd name="connsiteY9" fmla="*/ 1394771 h 1753671"/>
+            </a:gdLst>
+            <a:ahLst/>
+            <a:cxnLst>
+              <a:cxn ang="0">
+                <a:pos x="connsiteX0" y="connsiteY0"/>
+              </a:cxn>
+              <a:cxn ang="0">
+                <a:pos x="connsiteX1" y="connsiteY1"/>
+              </a:cxn>
+              <a:cxn ang="0">
+                <a:pos x="connsiteX2" y="connsiteY2"/>
+              </a:cxn>
+              <a:cxn ang="0">
+                <a:pos x="connsiteX3" y="connsiteY3"/>
+              </a:cxn>
+              <a:cxn ang="0">
+                <a:pos x="connsiteX4" y="connsiteY4"/>
+              </a:cxn>
+              <a:cxn ang="0">
+                <a:pos x="connsiteX5" y="connsiteY5"/>
+              </a:cxn>
+              <a:cxn ang="0">
+                <a:pos x="connsiteX6" y="connsiteY6"/>
+              </a:cxn>
+              <a:cxn ang="0">
+                <a:pos x="connsiteX7" y="connsiteY7"/>
+              </a:cxn>
+              <a:cxn ang="0">
+                <a:pos x="connsiteX8" y="connsiteY8"/>
+              </a:cxn>
+              <a:cxn ang="0">
+                <a:pos x="connsiteX9" y="connsiteY9"/>
+              </a:cxn>
+            </a:cxnLst>
+            <a:rect l="l" t="t" r="r" b="b"/>
+            <a:pathLst>
+              <a:path w="2406874" h="1753671">
+                <a:moveTo>
+                  <a:pt x="12427" y="1394771"/>
+                </a:moveTo>
+                <a:cubicBezTo>
+                  <a:pt x="67460" y="1218029"/>
+                  <a:pt x="615677" y="876188"/>
+                  <a:pt x="774427" y="651821"/>
+                </a:cubicBezTo>
+                <a:cubicBezTo>
+                  <a:pt x="933177" y="427454"/>
+                  <a:pt x="902485" y="143821"/>
+                  <a:pt x="964927" y="48571"/>
+                </a:cubicBezTo>
+                <a:cubicBezTo>
+                  <a:pt x="1027369" y="-46679"/>
+                  <a:pt x="1079227" y="16821"/>
+                  <a:pt x="1149077" y="80321"/>
+                </a:cubicBezTo>
+                <a:cubicBezTo>
+                  <a:pt x="1218927" y="143821"/>
+                  <a:pt x="1277135" y="287754"/>
+                  <a:pt x="1384027" y="429571"/>
+                </a:cubicBezTo>
+                <a:cubicBezTo>
+                  <a:pt x="1490919" y="571388"/>
+                  <a:pt x="1632735" y="746013"/>
+                  <a:pt x="1790427" y="931221"/>
+                </a:cubicBezTo>
+                <a:cubicBezTo>
+                  <a:pt x="1948119" y="1116429"/>
+                  <a:pt x="2262444" y="1407471"/>
+                  <a:pt x="2330177" y="1540821"/>
+                </a:cubicBezTo>
+                <a:cubicBezTo>
+                  <a:pt x="2397910" y="1674171"/>
+                  <a:pt x="2511152" y="1702746"/>
+                  <a:pt x="2196827" y="1731321"/>
+                </a:cubicBezTo>
+                <a:cubicBezTo>
+                  <a:pt x="1882502" y="1759896"/>
+                  <a:pt x="806177" y="1768363"/>
+                  <a:pt x="444227" y="1712271"/>
+                </a:cubicBezTo>
+                <a:cubicBezTo>
+                  <a:pt x="82277" y="1656179"/>
+                  <a:pt x="-42606" y="1571513"/>
+                  <a:pt x="12427" y="1394771"/>
+                </a:cubicBezTo>
+                <a:close/>
+              </a:path>
+            </a:pathLst>
+          </a:custGeom>
+          <a:pattFill prst="wdUpDiag">
+            <a:fgClr>
+              <a:schemeClr val="accent1"/>
+            </a:fgClr>
+            <a:bgClr>
+              <a:schemeClr val="bg1"/>
+            </a:bgClr>
+          </a:pattFill>
+        </p:spPr>
+        <p:style>
+          <a:lnRef idx="2">
+            <a:schemeClr val="accent1">
+              <a:shade val="50000"/>
+            </a:schemeClr>
+          </a:lnRef>
+          <a:fillRef idx="1">
+            <a:schemeClr val="accent1"/>
+          </a:fillRef>
+          <a:effectRef idx="0">
+            <a:schemeClr val="accent1"/>
+          </a:effectRef>
+          <a:fontRef idx="minor">
+            <a:schemeClr val="lt1"/>
+          </a:fontRef>
+        </p:style>
+        <p:txBody>
+          <a:bodyPr rtlCol="0" anchor="ctr"/>
+          <a:lstStyle/>
+          <a:p>
+            <a:pPr algn="ctr"/>
+            <a:endParaRPr lang="pl-PL"/>
+          </a:p>
+        </p:txBody>
+      </p:sp>
+      <p:sp>
+        <p:nvSpPr>
+          <p:cNvPr id="17" name="Dowolny kształt: kształt 16">
+            <a:extLst>
+              <a:ext uri="{FF2B5EF4-FFF2-40B4-BE49-F238E27FC236}">
+                <a16:creationId xmlns:a16="http://schemas.microsoft.com/office/drawing/2014/main" id="{2ABDFBED-74F7-45A7-800C-0B36415CD166}"/>
+              </a:ext>
+            </a:extLst>
+          </p:cNvPr>
+          <p:cNvSpPr/>
+          <p:nvPr/>
+        </p:nvSpPr>
+        <p:spPr>
+          <a:xfrm>
+            <a:off x="2920437" y="3352800"/>
+            <a:ext cx="3277163" cy="2235200"/>
+          </a:xfrm>
+          <a:custGeom>
+            <a:avLst/>
+            <a:gdLst>
+              <a:gd name="connsiteX0" fmla="*/ 563 w 3277163"/>
+              <a:gd name="connsiteY0" fmla="*/ 0 h 2235200"/>
+              <a:gd name="connsiteX1" fmla="*/ 432363 w 3277163"/>
+              <a:gd name="connsiteY1" fmla="*/ 895350 h 2235200"/>
+              <a:gd name="connsiteX2" fmla="*/ 762563 w 3277163"/>
+              <a:gd name="connsiteY2" fmla="*/ 1327150 h 2235200"/>
+              <a:gd name="connsiteX3" fmla="*/ 978463 w 3277163"/>
+              <a:gd name="connsiteY3" fmla="*/ 1651000 h 2235200"/>
+              <a:gd name="connsiteX4" fmla="*/ 1619813 w 3277163"/>
+              <a:gd name="connsiteY4" fmla="*/ 1898650 h 2235200"/>
+              <a:gd name="connsiteX5" fmla="*/ 2121463 w 3277163"/>
+              <a:gd name="connsiteY5" fmla="*/ 1974850 h 2235200"/>
+              <a:gd name="connsiteX6" fmla="*/ 2642163 w 3277163"/>
+              <a:gd name="connsiteY6" fmla="*/ 1974850 h 2235200"/>
+              <a:gd name="connsiteX7" fmla="*/ 3277163 w 3277163"/>
+              <a:gd name="connsiteY7" fmla="*/ 1479550 h 2235200"/>
+              <a:gd name="connsiteX8" fmla="*/ 3277163 w 3277163"/>
+              <a:gd name="connsiteY8" fmla="*/ 2235200 h 2235200"/>
+              <a:gd name="connsiteX9" fmla="*/ 6913 w 3277163"/>
+              <a:gd name="connsiteY9" fmla="*/ 2235200 h 2235200"/>
+              <a:gd name="connsiteX10" fmla="*/ 563 w 3277163"/>
+              <a:gd name="connsiteY10" fmla="*/ 0 h 2235200"/>
+            </a:gdLst>
+            <a:ahLst/>
+            <a:cxnLst>
+              <a:cxn ang="0">
+                <a:pos x="connsiteX0" y="connsiteY0"/>
+              </a:cxn>
+              <a:cxn ang="0">
+                <a:pos x="connsiteX1" y="connsiteY1"/>
+              </a:cxn>
+              <a:cxn ang="0">
+                <a:pos x="connsiteX2" y="connsiteY2"/>
+              </a:cxn>
+              <a:cxn ang="0">
+                <a:pos x="connsiteX3" y="connsiteY3"/>
+              </a:cxn>
+              <a:cxn ang="0">
+                <a:pos x="connsiteX4" y="connsiteY4"/>
+              </a:cxn>
+              <a:cxn ang="0">
+                <a:pos x="connsiteX5" y="connsiteY5"/>
+              </a:cxn>
+              <a:cxn ang="0">
+                <a:pos x="connsiteX6" y="connsiteY6"/>
+              </a:cxn>
+              <a:cxn ang="0">
+                <a:pos x="connsiteX7" y="connsiteY7"/>
+              </a:cxn>
+              <a:cxn ang="0">
+                <a:pos x="connsiteX8" y="connsiteY8"/>
+              </a:cxn>
+              <a:cxn ang="0">
+                <a:pos x="connsiteX9" y="connsiteY9"/>
+              </a:cxn>
+              <a:cxn ang="0">
+                <a:pos x="connsiteX10" y="connsiteY10"/>
+              </a:cxn>
+            </a:cxnLst>
+            <a:rect l="l" t="t" r="r" b="b"/>
+            <a:pathLst>
+              <a:path w="3277163" h="2235200">
+                <a:moveTo>
+                  <a:pt x="563" y="0"/>
+                </a:moveTo>
+                <a:lnTo>
+                  <a:pt x="432363" y="895350"/>
+                </a:lnTo>
+                <a:lnTo>
+                  <a:pt x="762563" y="1327150"/>
+                </a:lnTo>
+                <a:lnTo>
+                  <a:pt x="978463" y="1651000"/>
+                </a:lnTo>
+                <a:lnTo>
+                  <a:pt x="1619813" y="1898650"/>
+                </a:lnTo>
+                <a:lnTo>
+                  <a:pt x="2121463" y="1974850"/>
+                </a:lnTo>
+                <a:lnTo>
+                  <a:pt x="2642163" y="1974850"/>
+                </a:lnTo>
+                <a:lnTo>
+                  <a:pt x="3277163" y="1479550"/>
+                </a:lnTo>
+                <a:lnTo>
+                  <a:pt x="3277163" y="2235200"/>
+                </a:lnTo>
+                <a:lnTo>
+                  <a:pt x="6913" y="2235200"/>
+                </a:lnTo>
+                <a:cubicBezTo>
+                  <a:pt x="2680" y="1498600"/>
+                  <a:pt x="-1554" y="762000"/>
+                  <a:pt x="563" y="0"/>
+                </a:cubicBezTo>
+                <a:close/>
+              </a:path>
+            </a:pathLst>
+          </a:custGeom>
+          <a:pattFill prst="pct30">
+            <a:fgClr>
+              <a:schemeClr val="tx1"/>
+            </a:fgClr>
+            <a:bgClr>
+              <a:schemeClr val="bg1"/>
+            </a:bgClr>
+          </a:pattFill>
+          <a:ln w="3175">
+            <a:solidFill>
+              <a:schemeClr val="tx1"/>
+            </a:solidFill>
+          </a:ln>
+        </p:spPr>
+        <p:style>
+          <a:lnRef idx="2">
+            <a:schemeClr val="accent1">
+              <a:shade val="50000"/>
+            </a:schemeClr>
+          </a:lnRef>
+          <a:fillRef idx="1">
+            <a:schemeClr val="accent1"/>
+          </a:fillRef>
+          <a:effectRef idx="0">
+            <a:schemeClr val="accent1"/>
+          </a:effectRef>
+          <a:fontRef idx="minor">
+            <a:schemeClr val="lt1"/>
+          </a:fontRef>
+        </p:style>
+        <p:txBody>
+          <a:bodyPr rtlCol="0" anchor="ctr"/>
+          <a:lstStyle/>
+          <a:p>
+            <a:pPr algn="ctr"/>
+            <a:endParaRPr lang="pl-PL"/>
+          </a:p>
+        </p:txBody>
+      </p:sp>
+      <p:cxnSp>
+        <p:nvCxnSpPr>
+          <p:cNvPr id="4" name="Łącznik prosty ze strzałką 3">
+            <a:extLst>
+              <a:ext uri="{FF2B5EF4-FFF2-40B4-BE49-F238E27FC236}">
+                <a16:creationId xmlns:a16="http://schemas.microsoft.com/office/drawing/2014/main" id="{32A69D21-B9B6-4CAB-AFC4-E975E368D076}"/>
+              </a:ext>
+            </a:extLst>
+          </p:cNvPr>
+          <p:cNvCxnSpPr/>
+          <p:nvPr/>
+        </p:nvCxnSpPr>
+        <p:spPr>
+          <a:xfrm>
+            <a:off x="2920653" y="5590540"/>
+            <a:ext cx="3374967" cy="0"/>
+          </a:xfrm>
+          <a:prstGeom prst="straightConnector1">
+            <a:avLst/>
+          </a:prstGeom>
+          <a:ln w="28575">
+            <a:solidFill>
+              <a:schemeClr val="tx1"/>
+            </a:solidFill>
+            <a:tailEnd type="triangle"/>
+          </a:ln>
+        </p:spPr>
+        <p:style>
+          <a:lnRef idx="1">
+            <a:schemeClr val="accent1"/>
+          </a:lnRef>
+          <a:fillRef idx="0">
+            <a:schemeClr val="accent1"/>
+          </a:fillRef>
+          <a:effectRef idx="0">
+            <a:schemeClr val="accent1"/>
+          </a:effectRef>
+          <a:fontRef idx="minor">
+            <a:schemeClr val="tx1"/>
+          </a:fontRef>
+        </p:style>
+      </p:cxnSp>
+      <p:cxnSp>
+        <p:nvCxnSpPr>
+          <p:cNvPr id="5" name="Łącznik prosty ze strzałką 4">
+            <a:extLst>
+              <a:ext uri="{FF2B5EF4-FFF2-40B4-BE49-F238E27FC236}">
+                <a16:creationId xmlns:a16="http://schemas.microsoft.com/office/drawing/2014/main" id="{5A592740-584F-4B8A-B0EC-BBBA05FF50D6}"/>
+              </a:ext>
+            </a:extLst>
+          </p:cNvPr>
+          <p:cNvCxnSpPr>
+            <a:cxnSpLocks/>
+          </p:cNvCxnSpPr>
+          <p:nvPr/>
+        </p:nvCxnSpPr>
+        <p:spPr>
+          <a:xfrm flipV="1">
+            <a:off x="2920652" y="2814089"/>
+            <a:ext cx="0" cy="2776451"/>
+          </a:xfrm>
+          <a:prstGeom prst="straightConnector1">
+            <a:avLst/>
+          </a:prstGeom>
+          <a:ln w="28575">
+            <a:solidFill>
+              <a:schemeClr val="tx1"/>
+            </a:solidFill>
+            <a:tailEnd type="triangle"/>
+          </a:ln>
+        </p:spPr>
+        <p:style>
+          <a:lnRef idx="1">
+            <a:schemeClr val="accent1"/>
+          </a:lnRef>
+          <a:fillRef idx="0">
+            <a:schemeClr val="accent1"/>
+          </a:fillRef>
+          <a:effectRef idx="0">
+            <a:schemeClr val="accent1"/>
+          </a:effectRef>
+          <a:fontRef idx="minor">
+            <a:schemeClr val="tx1"/>
+          </a:fontRef>
+        </p:style>
+      </p:cxnSp>
+      <p:sp>
+        <p:nvSpPr>
+          <p:cNvPr id="6" name="pole tekstowe 5">
+            <a:extLst>
+              <a:ext uri="{FF2B5EF4-FFF2-40B4-BE49-F238E27FC236}">
+                <a16:creationId xmlns:a16="http://schemas.microsoft.com/office/drawing/2014/main" id="{5BD653AC-3F3B-4DAC-B2F5-2162D127EEF9}"/>
+              </a:ext>
+            </a:extLst>
+          </p:cNvPr>
+          <p:cNvSpPr txBox="1"/>
+          <p:nvPr/>
+        </p:nvSpPr>
+        <p:spPr>
+          <a:xfrm rot="16200000">
+            <a:off x="2332671" y="3211017"/>
+            <a:ext cx="806631" cy="369332"/>
+          </a:xfrm>
+          <a:prstGeom prst="rect">
+            <a:avLst/>
+          </a:prstGeom>
+          <a:noFill/>
+        </p:spPr>
+        <p:txBody>
+          <a:bodyPr wrap="none" rtlCol="0">
+            <a:spAutoFit/>
+          </a:bodyPr>
+          <a:lstStyle/>
+          <a:p>
+            <a:r>
+              <a:rPr lang="pl-PL" dirty="0"/>
+              <a:t>dB SPL</a:t>
+            </a:r>
+          </a:p>
+        </p:txBody>
+      </p:sp>
+      <p:sp>
+        <p:nvSpPr>
+          <p:cNvPr id="7" name="Prostokąt 6">
+            <a:extLst>
+              <a:ext uri="{FF2B5EF4-FFF2-40B4-BE49-F238E27FC236}">
+                <a16:creationId xmlns:a16="http://schemas.microsoft.com/office/drawing/2014/main" id="{FFD018BD-EFF9-4ED3-8C20-72BAD7F83869}"/>
+              </a:ext>
+            </a:extLst>
+          </p:cNvPr>
+          <p:cNvSpPr/>
+          <p:nvPr/>
+        </p:nvSpPr>
+        <p:spPr>
+          <a:xfrm>
+            <a:off x="4383694" y="3570559"/>
+            <a:ext cx="182879" cy="2019981"/>
+          </a:xfrm>
+          <a:prstGeom prst="rect">
+            <a:avLst/>
+          </a:prstGeom>
+        </p:spPr>
+        <p:style>
+          <a:lnRef idx="2">
+            <a:schemeClr val="accent1">
+              <a:shade val="50000"/>
+            </a:schemeClr>
+          </a:lnRef>
+          <a:fillRef idx="1">
+            <a:schemeClr val="accent1"/>
+          </a:fillRef>
+          <a:effectRef idx="0">
+            <a:schemeClr val="accent1"/>
+          </a:effectRef>
+          <a:fontRef idx="minor">
+            <a:schemeClr val="lt1"/>
+          </a:fontRef>
+        </p:style>
+        <p:txBody>
+          <a:bodyPr rtlCol="0" anchor="ctr"/>
+          <a:lstStyle/>
+          <a:p>
+            <a:pPr algn="ctr"/>
+            <a:endParaRPr lang="pl-PL"/>
+          </a:p>
+        </p:txBody>
+      </p:sp>
+      <p:sp>
+        <p:nvSpPr>
+          <p:cNvPr id="8" name="Prostokąt 7">
+            <a:extLst>
+              <a:ext uri="{FF2B5EF4-FFF2-40B4-BE49-F238E27FC236}">
+                <a16:creationId xmlns:a16="http://schemas.microsoft.com/office/drawing/2014/main" id="{755D9FCB-AABC-4200-8C73-A53A9FC72C1D}"/>
+              </a:ext>
+            </a:extLst>
+          </p:cNvPr>
+          <p:cNvSpPr/>
+          <p:nvPr/>
+        </p:nvSpPr>
+        <p:spPr>
+          <a:xfrm>
+            <a:off x="3934807" y="4210631"/>
+            <a:ext cx="182878" cy="1379909"/>
+          </a:xfrm>
+          <a:prstGeom prst="rect">
+            <a:avLst/>
+          </a:prstGeom>
+        </p:spPr>
+        <p:style>
+          <a:lnRef idx="2">
+            <a:schemeClr val="accent6">
+              <a:shade val="50000"/>
+            </a:schemeClr>
+          </a:lnRef>
+          <a:fillRef idx="1">
+            <a:schemeClr val="accent6"/>
+          </a:fillRef>
+          <a:effectRef idx="0">
+            <a:schemeClr val="accent6"/>
+          </a:effectRef>
+          <a:fontRef idx="minor">
+            <a:schemeClr val="lt1"/>
+          </a:fontRef>
+        </p:style>
+        <p:txBody>
+          <a:bodyPr rtlCol="0" anchor="ctr"/>
+          <a:lstStyle/>
+          <a:p>
+            <a:pPr algn="ctr"/>
+            <a:endParaRPr lang="pl-PL"/>
+          </a:p>
+        </p:txBody>
+      </p:sp>
+      <p:sp>
+        <p:nvSpPr>
+          <p:cNvPr id="9" name="Prostokąt 8">
+            <a:extLst>
+              <a:ext uri="{FF2B5EF4-FFF2-40B4-BE49-F238E27FC236}">
+                <a16:creationId xmlns:a16="http://schemas.microsoft.com/office/drawing/2014/main" id="{DC5E9B7E-B90F-4A08-B313-A0026DD6B8C9}"/>
+              </a:ext>
+            </a:extLst>
+          </p:cNvPr>
+          <p:cNvSpPr/>
+          <p:nvPr/>
+        </p:nvSpPr>
+        <p:spPr>
+          <a:xfrm>
+            <a:off x="4832582" y="4543137"/>
+            <a:ext cx="182878" cy="1047403"/>
+          </a:xfrm>
+          <a:prstGeom prst="rect">
+            <a:avLst/>
+          </a:prstGeom>
+          <a:solidFill>
+            <a:srgbClr val="FF0000"/>
+          </a:solidFill>
+        </p:spPr>
+        <p:style>
+          <a:lnRef idx="2">
+            <a:schemeClr val="accent2">
+              <a:shade val="50000"/>
+            </a:schemeClr>
+          </a:lnRef>
+          <a:fillRef idx="1">
+            <a:schemeClr val="accent2"/>
+          </a:fillRef>
+          <a:effectRef idx="0">
+            <a:schemeClr val="accent2"/>
+          </a:effectRef>
+          <a:fontRef idx="minor">
+            <a:schemeClr val="lt1"/>
+          </a:fontRef>
+        </p:style>
+        <p:txBody>
+          <a:bodyPr rtlCol="0" anchor="ctr"/>
+          <a:lstStyle/>
+          <a:p>
+            <a:pPr algn="ctr"/>
+            <a:endParaRPr lang="pl-PL"/>
+          </a:p>
+        </p:txBody>
+      </p:sp>
+      <p:sp>
+        <p:nvSpPr>
+          <p:cNvPr id="14" name="Dowolny kształt: kształt 13">
+            <a:extLst>
+              <a:ext uri="{FF2B5EF4-FFF2-40B4-BE49-F238E27FC236}">
+                <a16:creationId xmlns:a16="http://schemas.microsoft.com/office/drawing/2014/main" id="{B6F48BC5-F518-47B8-A35D-32B025692BE4}"/>
+              </a:ext>
+            </a:extLst>
+          </p:cNvPr>
+          <p:cNvSpPr/>
+          <p:nvPr/>
+        </p:nvSpPr>
+        <p:spPr>
+          <a:xfrm>
+            <a:off x="7394170" y="-8582"/>
+            <a:ext cx="3308350" cy="2622550"/>
+          </a:xfrm>
+          <a:custGeom>
+            <a:avLst/>
+            <a:gdLst>
+              <a:gd name="connsiteX0" fmla="*/ 0 w 3308350"/>
+              <a:gd name="connsiteY0" fmla="*/ 0 h 2622550"/>
+              <a:gd name="connsiteX1" fmla="*/ 857250 w 3308350"/>
+              <a:gd name="connsiteY1" fmla="*/ 1555750 h 2622550"/>
+              <a:gd name="connsiteX2" fmla="*/ 1524000 w 3308350"/>
+              <a:gd name="connsiteY2" fmla="*/ 717550 h 2622550"/>
+              <a:gd name="connsiteX3" fmla="*/ 2273300 w 3308350"/>
+              <a:gd name="connsiteY3" fmla="*/ 1974850 h 2622550"/>
+              <a:gd name="connsiteX4" fmla="*/ 3308350 w 3308350"/>
+              <a:gd name="connsiteY4" fmla="*/ 2622550 h 2622550"/>
+              <a:gd name="connsiteX0" fmla="*/ 0 w 3308350"/>
+              <a:gd name="connsiteY0" fmla="*/ 0 h 2622550"/>
+              <a:gd name="connsiteX1" fmla="*/ 850900 w 3308350"/>
+              <a:gd name="connsiteY1" fmla="*/ 1651000 h 2622550"/>
+              <a:gd name="connsiteX2" fmla="*/ 1524000 w 3308350"/>
+              <a:gd name="connsiteY2" fmla="*/ 717550 h 2622550"/>
+              <a:gd name="connsiteX3" fmla="*/ 2273300 w 3308350"/>
+              <a:gd name="connsiteY3" fmla="*/ 1974850 h 2622550"/>
+              <a:gd name="connsiteX4" fmla="*/ 3308350 w 3308350"/>
+              <a:gd name="connsiteY4" fmla="*/ 2622550 h 2622550"/>
+              <a:gd name="connsiteX0" fmla="*/ 0 w 3308350"/>
+              <a:gd name="connsiteY0" fmla="*/ 0 h 2622550"/>
+              <a:gd name="connsiteX1" fmla="*/ 850900 w 3308350"/>
+              <a:gd name="connsiteY1" fmla="*/ 1651000 h 2622550"/>
+              <a:gd name="connsiteX2" fmla="*/ 1524000 w 3308350"/>
+              <a:gd name="connsiteY2" fmla="*/ 717550 h 2622550"/>
+              <a:gd name="connsiteX3" fmla="*/ 2273300 w 3308350"/>
+              <a:gd name="connsiteY3" fmla="*/ 1974850 h 2622550"/>
+              <a:gd name="connsiteX4" fmla="*/ 3308350 w 3308350"/>
+              <a:gd name="connsiteY4" fmla="*/ 2622550 h 2622550"/>
+              <a:gd name="connsiteX0" fmla="*/ 0 w 3308350"/>
+              <a:gd name="connsiteY0" fmla="*/ 0 h 2622550"/>
+              <a:gd name="connsiteX1" fmla="*/ 850900 w 3308350"/>
+              <a:gd name="connsiteY1" fmla="*/ 1651000 h 2622550"/>
+              <a:gd name="connsiteX2" fmla="*/ 1549400 w 3308350"/>
+              <a:gd name="connsiteY2" fmla="*/ 679450 h 2622550"/>
+              <a:gd name="connsiteX3" fmla="*/ 2273300 w 3308350"/>
+              <a:gd name="connsiteY3" fmla="*/ 1974850 h 2622550"/>
+              <a:gd name="connsiteX4" fmla="*/ 3308350 w 3308350"/>
+              <a:gd name="connsiteY4" fmla="*/ 2622550 h 2622550"/>
+              <a:gd name="connsiteX0" fmla="*/ 0 w 3308350"/>
+              <a:gd name="connsiteY0" fmla="*/ 0 h 2622550"/>
+              <a:gd name="connsiteX1" fmla="*/ 850900 w 3308350"/>
+              <a:gd name="connsiteY1" fmla="*/ 1651000 h 2622550"/>
+              <a:gd name="connsiteX2" fmla="*/ 1549400 w 3308350"/>
+              <a:gd name="connsiteY2" fmla="*/ 679450 h 2622550"/>
+              <a:gd name="connsiteX3" fmla="*/ 2273300 w 3308350"/>
+              <a:gd name="connsiteY3" fmla="*/ 1974850 h 2622550"/>
+              <a:gd name="connsiteX4" fmla="*/ 3308350 w 3308350"/>
+              <a:gd name="connsiteY4" fmla="*/ 2622550 h 2622550"/>
+              <a:gd name="connsiteX0" fmla="*/ 0 w 3308350"/>
+              <a:gd name="connsiteY0" fmla="*/ 0 h 2622550"/>
+              <a:gd name="connsiteX1" fmla="*/ 850900 w 3308350"/>
+              <a:gd name="connsiteY1" fmla="*/ 1651000 h 2622550"/>
+              <a:gd name="connsiteX2" fmla="*/ 1549400 w 3308350"/>
+              <a:gd name="connsiteY2" fmla="*/ 679450 h 2622550"/>
+              <a:gd name="connsiteX3" fmla="*/ 2730500 w 3308350"/>
+              <a:gd name="connsiteY3" fmla="*/ 2209800 h 2622550"/>
+              <a:gd name="connsiteX4" fmla="*/ 3308350 w 3308350"/>
+              <a:gd name="connsiteY4" fmla="*/ 2622550 h 2622550"/>
+              <a:gd name="connsiteX0" fmla="*/ 0 w 3308350"/>
+              <a:gd name="connsiteY0" fmla="*/ 0 h 2622550"/>
+              <a:gd name="connsiteX1" fmla="*/ 850900 w 3308350"/>
+              <a:gd name="connsiteY1" fmla="*/ 1651000 h 2622550"/>
+              <a:gd name="connsiteX2" fmla="*/ 1549400 w 3308350"/>
+              <a:gd name="connsiteY2" fmla="*/ 679450 h 2622550"/>
+              <a:gd name="connsiteX3" fmla="*/ 2730500 w 3308350"/>
+              <a:gd name="connsiteY3" fmla="*/ 2209800 h 2622550"/>
+              <a:gd name="connsiteX4" fmla="*/ 3308350 w 3308350"/>
+              <a:gd name="connsiteY4" fmla="*/ 2622550 h 2622550"/>
+              <a:gd name="connsiteX0" fmla="*/ 0 w 3308350"/>
+              <a:gd name="connsiteY0" fmla="*/ 0 h 2622550"/>
+              <a:gd name="connsiteX1" fmla="*/ 850900 w 3308350"/>
+              <a:gd name="connsiteY1" fmla="*/ 1651000 h 2622550"/>
+              <a:gd name="connsiteX2" fmla="*/ 1549400 w 3308350"/>
+              <a:gd name="connsiteY2" fmla="*/ 679450 h 2622550"/>
+              <a:gd name="connsiteX3" fmla="*/ 2730500 w 3308350"/>
+              <a:gd name="connsiteY3" fmla="*/ 2209800 h 2622550"/>
+              <a:gd name="connsiteX4" fmla="*/ 3308350 w 3308350"/>
+              <a:gd name="connsiteY4" fmla="*/ 2622550 h 2622550"/>
+              <a:gd name="connsiteX0" fmla="*/ 0 w 3308350"/>
+              <a:gd name="connsiteY0" fmla="*/ 0 h 2622550"/>
+              <a:gd name="connsiteX1" fmla="*/ 965200 w 3308350"/>
+              <a:gd name="connsiteY1" fmla="*/ 1625600 h 2622550"/>
+              <a:gd name="connsiteX2" fmla="*/ 1549400 w 3308350"/>
+              <a:gd name="connsiteY2" fmla="*/ 679450 h 2622550"/>
+              <a:gd name="connsiteX3" fmla="*/ 2730500 w 3308350"/>
+              <a:gd name="connsiteY3" fmla="*/ 2209800 h 2622550"/>
+              <a:gd name="connsiteX4" fmla="*/ 3308350 w 3308350"/>
+              <a:gd name="connsiteY4" fmla="*/ 2622550 h 2622550"/>
+              <a:gd name="connsiteX0" fmla="*/ 0 w 3308350"/>
+              <a:gd name="connsiteY0" fmla="*/ 0 h 2622550"/>
+              <a:gd name="connsiteX1" fmla="*/ 965200 w 3308350"/>
+              <a:gd name="connsiteY1" fmla="*/ 1625600 h 2622550"/>
+              <a:gd name="connsiteX2" fmla="*/ 1549400 w 3308350"/>
+              <a:gd name="connsiteY2" fmla="*/ 679450 h 2622550"/>
+              <a:gd name="connsiteX3" fmla="*/ 2730500 w 3308350"/>
+              <a:gd name="connsiteY3" fmla="*/ 2209800 h 2622550"/>
+              <a:gd name="connsiteX4" fmla="*/ 3308350 w 3308350"/>
+              <a:gd name="connsiteY4" fmla="*/ 2622550 h 2622550"/>
+              <a:gd name="connsiteX0" fmla="*/ 0 w 3308350"/>
+              <a:gd name="connsiteY0" fmla="*/ 0 h 2622550"/>
+              <a:gd name="connsiteX1" fmla="*/ 1035050 w 3308350"/>
+              <a:gd name="connsiteY1" fmla="*/ 1631950 h 2622550"/>
+              <a:gd name="connsiteX2" fmla="*/ 1549400 w 3308350"/>
+              <a:gd name="connsiteY2" fmla="*/ 679450 h 2622550"/>
+              <a:gd name="connsiteX3" fmla="*/ 2730500 w 3308350"/>
+              <a:gd name="connsiteY3" fmla="*/ 2209800 h 2622550"/>
+              <a:gd name="connsiteX4" fmla="*/ 3308350 w 3308350"/>
+              <a:gd name="connsiteY4" fmla="*/ 2622550 h 2622550"/>
+              <a:gd name="connsiteX0" fmla="*/ 0 w 3308350"/>
+              <a:gd name="connsiteY0" fmla="*/ 0 h 2622550"/>
+              <a:gd name="connsiteX1" fmla="*/ 1022350 w 3308350"/>
+              <a:gd name="connsiteY1" fmla="*/ 1606550 h 2622550"/>
+              <a:gd name="connsiteX2" fmla="*/ 1549400 w 3308350"/>
+              <a:gd name="connsiteY2" fmla="*/ 679450 h 2622550"/>
+              <a:gd name="connsiteX3" fmla="*/ 2730500 w 3308350"/>
+              <a:gd name="connsiteY3" fmla="*/ 2209800 h 2622550"/>
+              <a:gd name="connsiteX4" fmla="*/ 3308350 w 3308350"/>
+              <a:gd name="connsiteY4" fmla="*/ 2622550 h 2622550"/>
+              <a:gd name="connsiteX0" fmla="*/ 0 w 3308350"/>
+              <a:gd name="connsiteY0" fmla="*/ 0 h 2622550"/>
+              <a:gd name="connsiteX1" fmla="*/ 1016000 w 3308350"/>
+              <a:gd name="connsiteY1" fmla="*/ 1625600 h 2622550"/>
+              <a:gd name="connsiteX2" fmla="*/ 1549400 w 3308350"/>
+              <a:gd name="connsiteY2" fmla="*/ 679450 h 2622550"/>
+              <a:gd name="connsiteX3" fmla="*/ 2730500 w 3308350"/>
+              <a:gd name="connsiteY3" fmla="*/ 2209800 h 2622550"/>
+              <a:gd name="connsiteX4" fmla="*/ 3308350 w 3308350"/>
+              <a:gd name="connsiteY4" fmla="*/ 2622550 h 2622550"/>
+              <a:gd name="connsiteX0" fmla="*/ 0 w 3308350"/>
+              <a:gd name="connsiteY0" fmla="*/ 0 h 2622550"/>
+              <a:gd name="connsiteX1" fmla="*/ 1016000 w 3308350"/>
+              <a:gd name="connsiteY1" fmla="*/ 1625600 h 2622550"/>
+              <a:gd name="connsiteX2" fmla="*/ 1549400 w 3308350"/>
+              <a:gd name="connsiteY2" fmla="*/ 679450 h 2622550"/>
+              <a:gd name="connsiteX3" fmla="*/ 2730500 w 3308350"/>
+              <a:gd name="connsiteY3" fmla="*/ 2209800 h 2622550"/>
+              <a:gd name="connsiteX4" fmla="*/ 3308350 w 3308350"/>
+              <a:gd name="connsiteY4" fmla="*/ 2622550 h 2622550"/>
+              <a:gd name="connsiteX0" fmla="*/ 0 w 3308350"/>
+              <a:gd name="connsiteY0" fmla="*/ 0 h 2622550"/>
+              <a:gd name="connsiteX1" fmla="*/ 1016000 w 3308350"/>
+              <a:gd name="connsiteY1" fmla="*/ 1625600 h 2622550"/>
+              <a:gd name="connsiteX2" fmla="*/ 1600200 w 3308350"/>
+              <a:gd name="connsiteY2" fmla="*/ 742950 h 2622550"/>
+              <a:gd name="connsiteX3" fmla="*/ 2730500 w 3308350"/>
+              <a:gd name="connsiteY3" fmla="*/ 2209800 h 2622550"/>
+              <a:gd name="connsiteX4" fmla="*/ 3308350 w 3308350"/>
+              <a:gd name="connsiteY4" fmla="*/ 2622550 h 2622550"/>
+              <a:gd name="connsiteX0" fmla="*/ 0 w 3308350"/>
+              <a:gd name="connsiteY0" fmla="*/ 0 h 2622550"/>
+              <a:gd name="connsiteX1" fmla="*/ 1016000 w 3308350"/>
+              <a:gd name="connsiteY1" fmla="*/ 1625600 h 2622550"/>
+              <a:gd name="connsiteX2" fmla="*/ 1600200 w 3308350"/>
+              <a:gd name="connsiteY2" fmla="*/ 742950 h 2622550"/>
+              <a:gd name="connsiteX3" fmla="*/ 2730500 w 3308350"/>
+              <a:gd name="connsiteY3" fmla="*/ 2209800 h 2622550"/>
+              <a:gd name="connsiteX4" fmla="*/ 3308350 w 3308350"/>
+              <a:gd name="connsiteY4" fmla="*/ 2622550 h 2622550"/>
+              <a:gd name="connsiteX0" fmla="*/ 0 w 3308350"/>
+              <a:gd name="connsiteY0" fmla="*/ 0 h 2622550"/>
+              <a:gd name="connsiteX1" fmla="*/ 1016000 w 3308350"/>
+              <a:gd name="connsiteY1" fmla="*/ 1625600 h 2622550"/>
+              <a:gd name="connsiteX2" fmla="*/ 1587500 w 3308350"/>
+              <a:gd name="connsiteY2" fmla="*/ 736600 h 2622550"/>
+              <a:gd name="connsiteX3" fmla="*/ 2730500 w 3308350"/>
+              <a:gd name="connsiteY3" fmla="*/ 2209800 h 2622550"/>
+              <a:gd name="connsiteX4" fmla="*/ 3308350 w 3308350"/>
+              <a:gd name="connsiteY4" fmla="*/ 2622550 h 2622550"/>
+              <a:gd name="connsiteX0" fmla="*/ 0 w 3308350"/>
+              <a:gd name="connsiteY0" fmla="*/ 0 h 2622550"/>
+              <a:gd name="connsiteX1" fmla="*/ 1016000 w 3308350"/>
+              <a:gd name="connsiteY1" fmla="*/ 1625600 h 2622550"/>
+              <a:gd name="connsiteX2" fmla="*/ 1574800 w 3308350"/>
+              <a:gd name="connsiteY2" fmla="*/ 895350 h 2622550"/>
+              <a:gd name="connsiteX3" fmla="*/ 2730500 w 3308350"/>
+              <a:gd name="connsiteY3" fmla="*/ 2209800 h 2622550"/>
+              <a:gd name="connsiteX4" fmla="*/ 3308350 w 3308350"/>
+              <a:gd name="connsiteY4" fmla="*/ 2622550 h 2622550"/>
+            </a:gdLst>
+            <a:ahLst/>
+            <a:cxnLst>
+              <a:cxn ang="0">
+                <a:pos x="connsiteX0" y="connsiteY0"/>
+              </a:cxn>
+              <a:cxn ang="0">
+                <a:pos x="connsiteX1" y="connsiteY1"/>
+              </a:cxn>
+              <a:cxn ang="0">
+                <a:pos x="connsiteX2" y="connsiteY2"/>
+              </a:cxn>
+              <a:cxn ang="0">
+                <a:pos x="connsiteX3" y="connsiteY3"/>
+              </a:cxn>
+              <a:cxn ang="0">
+                <a:pos x="connsiteX4" y="connsiteY4"/>
+              </a:cxn>
+            </a:cxnLst>
+            <a:rect l="l" t="t" r="r" b="b"/>
+            <a:pathLst>
+              <a:path w="3308350" h="2622550">
+                <a:moveTo>
+                  <a:pt x="0" y="0"/>
+                </a:moveTo>
+                <a:cubicBezTo>
+                  <a:pt x="301625" y="718079"/>
+                  <a:pt x="753533" y="1476375"/>
+                  <a:pt x="1016000" y="1625600"/>
+                </a:cubicBezTo>
+                <a:cubicBezTo>
+                  <a:pt x="1278467" y="1774825"/>
+                  <a:pt x="1291448" y="791212"/>
+                  <a:pt x="1574800" y="895350"/>
+                </a:cubicBezTo>
+                <a:cubicBezTo>
+                  <a:pt x="1822450" y="986367"/>
+                  <a:pt x="2441575" y="1921933"/>
+                  <a:pt x="2730500" y="2209800"/>
+                </a:cubicBezTo>
+                <a:cubicBezTo>
+                  <a:pt x="3019425" y="2497667"/>
+                  <a:pt x="3126317" y="2549525"/>
+                  <a:pt x="3308350" y="2622550"/>
+                </a:cubicBezTo>
+              </a:path>
+            </a:pathLst>
+          </a:custGeom>
+          <a:noFill/>
+          <a:ln w="19050"/>
+        </p:spPr>
+        <p:style>
+          <a:lnRef idx="2">
+            <a:schemeClr val="accent1">
+              <a:shade val="50000"/>
+            </a:schemeClr>
+          </a:lnRef>
+          <a:fillRef idx="1">
+            <a:schemeClr val="accent1"/>
+          </a:fillRef>
+          <a:effectRef idx="0">
+            <a:schemeClr val="accent1"/>
+          </a:effectRef>
+          <a:fontRef idx="minor">
+            <a:schemeClr val="lt1"/>
+          </a:fontRef>
+        </p:style>
+        <p:txBody>
+          <a:bodyPr rtlCol="0" anchor="ctr"/>
+          <a:lstStyle/>
+          <a:p>
+            <a:pPr algn="ctr"/>
+            <a:endParaRPr lang="pl-PL"/>
+          </a:p>
+        </p:txBody>
+      </p:sp>
+      <p:sp>
+        <p:nvSpPr>
+          <p:cNvPr id="19" name="pole tekstowe 18">
+            <a:extLst>
+              <a:ext uri="{FF2B5EF4-FFF2-40B4-BE49-F238E27FC236}">
+                <a16:creationId xmlns:a16="http://schemas.microsoft.com/office/drawing/2014/main" id="{751DE4C8-1932-4BA1-989E-8A76C8F985C3}"/>
+              </a:ext>
+            </a:extLst>
+          </p:cNvPr>
+          <p:cNvSpPr txBox="1"/>
+          <p:nvPr/>
+        </p:nvSpPr>
+        <p:spPr>
+          <a:xfrm>
+            <a:off x="5663716" y="5615441"/>
+            <a:ext cx="631904" cy="369332"/>
+          </a:xfrm>
+          <a:prstGeom prst="rect">
+            <a:avLst/>
+          </a:prstGeom>
+          <a:noFill/>
+        </p:spPr>
+        <p:txBody>
+          <a:bodyPr wrap="square" rtlCol="0">
+            <a:spAutoFit/>
+          </a:bodyPr>
+          <a:lstStyle/>
+          <a:p>
+            <a:r>
+              <a:rPr lang="pl-PL" dirty="0"/>
+              <a:t>f[Hz]</a:t>
+            </a:r>
+          </a:p>
+        </p:txBody>
+      </p:sp>
+      <p:sp>
+        <p:nvSpPr>
+          <p:cNvPr id="26" name="Prostokąt 25">
+            <a:extLst>
+              <a:ext uri="{FF2B5EF4-FFF2-40B4-BE49-F238E27FC236}">
+                <a16:creationId xmlns:a16="http://schemas.microsoft.com/office/drawing/2014/main" id="{C432677F-2BA9-4E0B-8DA1-DBCECE39C818}"/>
+              </a:ext>
+            </a:extLst>
+          </p:cNvPr>
+          <p:cNvSpPr/>
+          <p:nvPr/>
+        </p:nvSpPr>
+        <p:spPr>
+          <a:xfrm>
+            <a:off x="1808241" y="2848405"/>
+            <a:ext cx="525899" cy="199146"/>
+          </a:xfrm>
+          <a:prstGeom prst="rect">
+            <a:avLst/>
+          </a:prstGeom>
+        </p:spPr>
+        <p:style>
+          <a:lnRef idx="2">
+            <a:schemeClr val="accent6">
+              <a:shade val="50000"/>
+            </a:schemeClr>
+          </a:lnRef>
+          <a:fillRef idx="1">
+            <a:schemeClr val="accent6"/>
+          </a:fillRef>
+          <a:effectRef idx="0">
+            <a:schemeClr val="accent6"/>
+          </a:effectRef>
+          <a:fontRef idx="minor">
+            <a:schemeClr val="lt1"/>
+          </a:fontRef>
+        </p:style>
+        <p:txBody>
+          <a:bodyPr rtlCol="0" anchor="ctr"/>
+          <a:lstStyle/>
+          <a:p>
+            <a:pPr algn="ctr"/>
+            <a:endParaRPr lang="pl-PL"/>
+          </a:p>
+        </p:txBody>
+      </p:sp>
+      <p:sp>
+        <p:nvSpPr>
+          <p:cNvPr id="29" name="Prostokąt 28">
+            <a:extLst>
+              <a:ext uri="{FF2B5EF4-FFF2-40B4-BE49-F238E27FC236}">
+                <a16:creationId xmlns:a16="http://schemas.microsoft.com/office/drawing/2014/main" id="{A3E91161-80F7-4DC5-A358-526E9B5EA330}"/>
+              </a:ext>
+            </a:extLst>
+          </p:cNvPr>
+          <p:cNvSpPr/>
+          <p:nvPr/>
+        </p:nvSpPr>
+        <p:spPr>
+          <a:xfrm>
+            <a:off x="1808241" y="3210267"/>
+            <a:ext cx="525899" cy="199147"/>
+          </a:xfrm>
+          <a:prstGeom prst="rect">
+            <a:avLst/>
+          </a:prstGeom>
+        </p:spPr>
+        <p:style>
+          <a:lnRef idx="2">
+            <a:schemeClr val="accent1">
+              <a:shade val="50000"/>
+            </a:schemeClr>
+          </a:lnRef>
+          <a:fillRef idx="1">
+            <a:schemeClr val="accent1"/>
+          </a:fillRef>
+          <a:effectRef idx="0">
+            <a:schemeClr val="accent1"/>
+          </a:effectRef>
+          <a:fontRef idx="minor">
+            <a:schemeClr val="lt1"/>
+          </a:fontRef>
+        </p:style>
+        <p:txBody>
+          <a:bodyPr rtlCol="0" anchor="ctr"/>
+          <a:lstStyle/>
+          <a:p>
+            <a:pPr algn="ctr"/>
+            <a:endParaRPr lang="pl-PL"/>
+          </a:p>
+        </p:txBody>
+      </p:sp>
+      <p:sp>
+        <p:nvSpPr>
+          <p:cNvPr id="30" name="Prostokąt 29">
+            <a:extLst>
+              <a:ext uri="{FF2B5EF4-FFF2-40B4-BE49-F238E27FC236}">
+                <a16:creationId xmlns:a16="http://schemas.microsoft.com/office/drawing/2014/main" id="{8C732C23-694A-4991-ADE8-BD81BE7BB74A}"/>
+              </a:ext>
+            </a:extLst>
+          </p:cNvPr>
+          <p:cNvSpPr/>
+          <p:nvPr/>
+        </p:nvSpPr>
+        <p:spPr>
+          <a:xfrm>
+            <a:off x="1808243" y="3567261"/>
+            <a:ext cx="525897" cy="199146"/>
+          </a:xfrm>
+          <a:prstGeom prst="rect">
+            <a:avLst/>
+          </a:prstGeom>
+          <a:solidFill>
+            <a:srgbClr val="FF0000"/>
+          </a:solidFill>
+        </p:spPr>
+        <p:style>
+          <a:lnRef idx="2">
+            <a:schemeClr val="accent2">
+              <a:shade val="50000"/>
+            </a:schemeClr>
+          </a:lnRef>
+          <a:fillRef idx="1">
+            <a:schemeClr val="accent2"/>
+          </a:fillRef>
+          <a:effectRef idx="0">
+            <a:schemeClr val="accent2"/>
+          </a:effectRef>
+          <a:fontRef idx="minor">
+            <a:schemeClr val="lt1"/>
+          </a:fontRef>
+        </p:style>
+        <p:txBody>
+          <a:bodyPr rtlCol="0" anchor="ctr"/>
+          <a:lstStyle/>
+          <a:p>
+            <a:pPr algn="ctr"/>
+            <a:endParaRPr lang="pl-PL"/>
+          </a:p>
+        </p:txBody>
+      </p:sp>
+      <p:sp>
+        <p:nvSpPr>
+          <p:cNvPr id="32" name="Prostokąt 31">
+            <a:extLst>
+              <a:ext uri="{FF2B5EF4-FFF2-40B4-BE49-F238E27FC236}">
+                <a16:creationId xmlns:a16="http://schemas.microsoft.com/office/drawing/2014/main" id="{D3BB8FC6-69D1-4CAE-BBF7-BAF80642BD30}"/>
+              </a:ext>
+            </a:extLst>
+          </p:cNvPr>
+          <p:cNvSpPr/>
+          <p:nvPr/>
+        </p:nvSpPr>
+        <p:spPr>
+          <a:xfrm>
+            <a:off x="1808241" y="3919930"/>
+            <a:ext cx="525899" cy="199147"/>
+          </a:xfrm>
+          <a:prstGeom prst="rect">
+            <a:avLst/>
+          </a:prstGeom>
+          <a:pattFill prst="wdUpDiag">
+            <a:fgClr>
+              <a:schemeClr val="accent1"/>
+            </a:fgClr>
+            <a:bgClr>
+              <a:schemeClr val="bg1"/>
+            </a:bgClr>
+          </a:pattFill>
+        </p:spPr>
+        <p:style>
+          <a:lnRef idx="2">
+            <a:schemeClr val="accent1">
+              <a:shade val="50000"/>
+            </a:schemeClr>
+          </a:lnRef>
+          <a:fillRef idx="1">
+            <a:schemeClr val="accent1"/>
+          </a:fillRef>
+          <a:effectRef idx="0">
+            <a:schemeClr val="accent1"/>
+          </a:effectRef>
+          <a:fontRef idx="minor">
+            <a:schemeClr val="lt1"/>
+          </a:fontRef>
+        </p:style>
+        <p:txBody>
+          <a:bodyPr rtlCol="0" anchor="ctr"/>
+          <a:lstStyle/>
+          <a:p>
+            <a:pPr algn="ctr"/>
+            <a:endParaRPr lang="pl-PL"/>
+          </a:p>
+        </p:txBody>
+      </p:sp>
+      <p:sp>
+        <p:nvSpPr>
+          <p:cNvPr id="33" name="Prostokąt 32">
+            <a:extLst>
+              <a:ext uri="{FF2B5EF4-FFF2-40B4-BE49-F238E27FC236}">
+                <a16:creationId xmlns:a16="http://schemas.microsoft.com/office/drawing/2014/main" id="{F8F380CC-ACE2-4970-AB61-1D557AAA9275}"/>
+              </a:ext>
+            </a:extLst>
+          </p:cNvPr>
+          <p:cNvSpPr/>
+          <p:nvPr/>
+        </p:nvSpPr>
+        <p:spPr>
+          <a:xfrm>
+            <a:off x="1808243" y="4276924"/>
+            <a:ext cx="525897" cy="199146"/>
+          </a:xfrm>
+          <a:prstGeom prst="rect">
+            <a:avLst/>
+          </a:prstGeom>
+          <a:pattFill prst="pct30">
+            <a:fgClr>
+              <a:schemeClr val="tx1"/>
+            </a:fgClr>
+            <a:bgClr>
+              <a:schemeClr val="bg1"/>
+            </a:bgClr>
+          </a:pattFill>
+          <a:ln w="6350">
+            <a:solidFill>
+              <a:schemeClr val="tx1"/>
+            </a:solidFill>
+          </a:ln>
+        </p:spPr>
+        <p:style>
+          <a:lnRef idx="2">
+            <a:schemeClr val="accent2">
+              <a:shade val="50000"/>
+            </a:schemeClr>
+          </a:lnRef>
+          <a:fillRef idx="1">
+            <a:schemeClr val="accent2"/>
+          </a:fillRef>
+          <a:effectRef idx="0">
+            <a:schemeClr val="accent2"/>
+          </a:effectRef>
+          <a:fontRef idx="minor">
+            <a:schemeClr val="lt1"/>
+          </a:fontRef>
+        </p:style>
+        <p:txBody>
+          <a:bodyPr rtlCol="0" anchor="ctr"/>
+          <a:lstStyle/>
+          <a:p>
+            <a:pPr algn="ctr"/>
+            <a:endParaRPr lang="pl-PL" dirty="0"/>
+          </a:p>
+        </p:txBody>
+      </p:sp>
+      <p:sp>
+        <p:nvSpPr>
+          <p:cNvPr id="34" name="pole tekstowe 33">
+            <a:extLst>
+              <a:ext uri="{FF2B5EF4-FFF2-40B4-BE49-F238E27FC236}">
+                <a16:creationId xmlns:a16="http://schemas.microsoft.com/office/drawing/2014/main" id="{67B97C86-D9E4-4A59-BFBB-620C61561287}"/>
+              </a:ext>
+            </a:extLst>
+          </p:cNvPr>
+          <p:cNvSpPr txBox="1"/>
+          <p:nvPr/>
+        </p:nvSpPr>
+        <p:spPr>
+          <a:xfrm>
+            <a:off x="680273" y="2779745"/>
+            <a:ext cx="1029942" cy="276999"/>
+          </a:xfrm>
+          <a:prstGeom prst="rect">
+            <a:avLst/>
+          </a:prstGeom>
+          <a:noFill/>
+        </p:spPr>
+        <p:txBody>
+          <a:bodyPr wrap="square" rtlCol="0">
+            <a:spAutoFit/>
+          </a:bodyPr>
+          <a:lstStyle/>
+          <a:p>
+            <a:pPr algn="r"/>
+            <a:r>
+              <a:rPr lang="pl-PL" sz="1200" dirty="0">
+                <a:latin typeface="+mj-lt"/>
+                <a:cs typeface="Latha" panose="020B0502040204020203" pitchFamily="34" charset="0"/>
+              </a:rPr>
+              <a:t>Ton słyszalny</a:t>
+            </a:r>
+          </a:p>
+        </p:txBody>
+      </p:sp>
+      <p:sp>
+        <p:nvSpPr>
+          <p:cNvPr id="35" name="pole tekstowe 34">
+            <a:extLst>
+              <a:ext uri="{FF2B5EF4-FFF2-40B4-BE49-F238E27FC236}">
+                <a16:creationId xmlns:a16="http://schemas.microsoft.com/office/drawing/2014/main" id="{76DE85E9-CF67-4D03-B60D-6BF8527B39DF}"/>
+              </a:ext>
+            </a:extLst>
+          </p:cNvPr>
+          <p:cNvSpPr txBox="1"/>
+          <p:nvPr/>
+        </p:nvSpPr>
+        <p:spPr>
+          <a:xfrm>
+            <a:off x="551368" y="3158649"/>
+            <a:ext cx="1158854" cy="276999"/>
+          </a:xfrm>
+          <a:prstGeom prst="rect">
+            <a:avLst/>
+          </a:prstGeom>
+          <a:noFill/>
+        </p:spPr>
+        <p:txBody>
+          <a:bodyPr wrap="square" rtlCol="0">
+            <a:spAutoFit/>
+          </a:bodyPr>
+          <a:lstStyle/>
+          <a:p>
+            <a:pPr algn="r"/>
+            <a:r>
+              <a:rPr lang="pl-PL" sz="1200" dirty="0">
+                <a:latin typeface="+mj-lt"/>
+                <a:cs typeface="Latha" panose="020B0502040204020203" pitchFamily="34" charset="0"/>
+              </a:rPr>
+              <a:t>Ton maskujący</a:t>
+            </a:r>
+          </a:p>
+        </p:txBody>
+      </p:sp>
+      <p:sp>
+        <p:nvSpPr>
+          <p:cNvPr id="36" name="pole tekstowe 35">
+            <a:extLst>
+              <a:ext uri="{FF2B5EF4-FFF2-40B4-BE49-F238E27FC236}">
+                <a16:creationId xmlns:a16="http://schemas.microsoft.com/office/drawing/2014/main" id="{F48D88DC-8388-4A58-99D9-3452E5F2BB0F}"/>
+              </a:ext>
+            </a:extLst>
+          </p:cNvPr>
+          <p:cNvSpPr txBox="1"/>
+          <p:nvPr/>
+        </p:nvSpPr>
+        <p:spPr>
+          <a:xfrm>
+            <a:off x="343378" y="3511063"/>
+            <a:ext cx="1366846" cy="276999"/>
+          </a:xfrm>
+          <a:prstGeom prst="rect">
+            <a:avLst/>
+          </a:prstGeom>
+          <a:noFill/>
+        </p:spPr>
+        <p:txBody>
+          <a:bodyPr wrap="square" rtlCol="0">
+            <a:spAutoFit/>
+          </a:bodyPr>
+          <a:lstStyle/>
+          <a:p>
+            <a:pPr algn="r"/>
+            <a:r>
+              <a:rPr lang="pl-PL" sz="1200" dirty="0">
+                <a:latin typeface="+mj-lt"/>
+                <a:cs typeface="Latha" panose="020B0502040204020203" pitchFamily="34" charset="0"/>
+              </a:rPr>
+              <a:t>Ton zamaskowany</a:t>
+            </a:r>
+          </a:p>
+        </p:txBody>
+      </p:sp>
+      <p:sp>
+        <p:nvSpPr>
+          <p:cNvPr id="37" name="pole tekstowe 36">
+            <a:extLst>
+              <a:ext uri="{FF2B5EF4-FFF2-40B4-BE49-F238E27FC236}">
+                <a16:creationId xmlns:a16="http://schemas.microsoft.com/office/drawing/2014/main" id="{AFB4C993-7AD2-4AF6-AF57-C222C1C70D2B}"/>
+              </a:ext>
+            </a:extLst>
+          </p:cNvPr>
+          <p:cNvSpPr txBox="1"/>
+          <p:nvPr/>
+        </p:nvSpPr>
+        <p:spPr>
+          <a:xfrm>
+            <a:off x="247650" y="3881003"/>
+            <a:ext cx="1462574" cy="276999"/>
+          </a:xfrm>
+          <a:prstGeom prst="rect">
+            <a:avLst/>
+          </a:prstGeom>
+          <a:noFill/>
+        </p:spPr>
+        <p:txBody>
+          <a:bodyPr wrap="square" rtlCol="0">
+            <a:spAutoFit/>
+          </a:bodyPr>
+          <a:lstStyle/>
+          <a:p>
+            <a:pPr algn="r"/>
+            <a:r>
+              <a:rPr lang="pl-PL" sz="1200" dirty="0">
+                <a:latin typeface="+mj-lt"/>
+                <a:cs typeface="Latha" panose="020B0502040204020203" pitchFamily="34" charset="0"/>
+              </a:rPr>
+              <a:t>Próg maskowania</a:t>
+            </a:r>
+          </a:p>
+        </p:txBody>
+      </p:sp>
+      <p:sp>
+        <p:nvSpPr>
+          <p:cNvPr id="38" name="pole tekstowe 37">
+            <a:extLst>
+              <a:ext uri="{FF2B5EF4-FFF2-40B4-BE49-F238E27FC236}">
+                <a16:creationId xmlns:a16="http://schemas.microsoft.com/office/drawing/2014/main" id="{F0D08AB1-7D2C-451C-B3D4-272F7A82C5D5}"/>
+              </a:ext>
+            </a:extLst>
+          </p:cNvPr>
+          <p:cNvSpPr txBox="1"/>
+          <p:nvPr/>
+        </p:nvSpPr>
+        <p:spPr>
+          <a:xfrm>
+            <a:off x="247650" y="4237997"/>
+            <a:ext cx="1462574" cy="276999"/>
+          </a:xfrm>
+          <a:prstGeom prst="rect">
+            <a:avLst/>
+          </a:prstGeom>
+          <a:noFill/>
+        </p:spPr>
+        <p:txBody>
+          <a:bodyPr wrap="square" rtlCol="0">
+            <a:spAutoFit/>
+          </a:bodyPr>
+          <a:lstStyle/>
+          <a:p>
+            <a:pPr algn="r"/>
+            <a:r>
+              <a:rPr lang="pl-PL" sz="1200" dirty="0">
+                <a:latin typeface="+mj-lt"/>
+                <a:cs typeface="Latha" panose="020B0502040204020203" pitchFamily="34" charset="0"/>
+              </a:rPr>
+              <a:t>Próg słyszalności</a:t>
+            </a:r>
+          </a:p>
+        </p:txBody>
+      </p:sp>
+    </p:spTree>
+    <p:extLst>
+      <p:ext uri="{BB962C8B-B14F-4D97-AF65-F5344CB8AC3E}">
+        <p14:creationId xmlns:p14="http://schemas.microsoft.com/office/powerpoint/2010/main" val="9181289"/>
+      </p:ext>
+    </p:extLst>
+  </p:cSld>
+  <p:clrMapOvr>
+    <a:masterClrMapping/>
+  </p:clrMapOvr>
+</p:sld>
+</file>
+
 <file path=ppt/theme/theme1.xml><?xml version="1.0" encoding="utf-8"?>
 <a:theme xmlns:a="http://schemas.openxmlformats.org/drawingml/2006/main" name="Motyw pakietu Office">
   <a:themeElements>

--- a/Prezentacja1.pptx
+++ b/Prezentacja1.pptx
@@ -10,6 +10,7 @@
     <p:sldId id="258" r:id="rId4"/>
     <p:sldId id="259" r:id="rId5"/>
     <p:sldId id="260" r:id="rId6"/>
+    <p:sldId id="261" r:id="rId7"/>
   </p:sldIdLst>
   <p:sldSz cx="12192000" cy="6858000"/>
   <p:notesSz cx="6858000" cy="9144000"/>
@@ -263,7 +264,7 @@
           <a:p>
             <a:fld id="{69D9E69E-DC33-4191-875B-EFD2B03B6A9B}" type="datetimeFigureOut">
               <a:rPr lang="pl-PL" smtClean="0"/>
-              <a:t>28.01.2020</a:t>
+              <a:t>31.01.2020</a:t>
             </a:fld>
             <a:endParaRPr lang="pl-PL"/>
           </a:p>
@@ -461,7 +462,7 @@
           <a:p>
             <a:fld id="{69D9E69E-DC33-4191-875B-EFD2B03B6A9B}" type="datetimeFigureOut">
               <a:rPr lang="pl-PL" smtClean="0"/>
-              <a:t>28.01.2020</a:t>
+              <a:t>31.01.2020</a:t>
             </a:fld>
             <a:endParaRPr lang="pl-PL"/>
           </a:p>
@@ -669,7 +670,7 @@
           <a:p>
             <a:fld id="{69D9E69E-DC33-4191-875B-EFD2B03B6A9B}" type="datetimeFigureOut">
               <a:rPr lang="pl-PL" smtClean="0"/>
-              <a:t>28.01.2020</a:t>
+              <a:t>31.01.2020</a:t>
             </a:fld>
             <a:endParaRPr lang="pl-PL"/>
           </a:p>
@@ -867,7 +868,7 @@
           <a:p>
             <a:fld id="{69D9E69E-DC33-4191-875B-EFD2B03B6A9B}" type="datetimeFigureOut">
               <a:rPr lang="pl-PL" smtClean="0"/>
-              <a:t>28.01.2020</a:t>
+              <a:t>31.01.2020</a:t>
             </a:fld>
             <a:endParaRPr lang="pl-PL"/>
           </a:p>
@@ -1142,7 +1143,7 @@
           <a:p>
             <a:fld id="{69D9E69E-DC33-4191-875B-EFD2B03B6A9B}" type="datetimeFigureOut">
               <a:rPr lang="pl-PL" smtClean="0"/>
-              <a:t>28.01.2020</a:t>
+              <a:t>31.01.2020</a:t>
             </a:fld>
             <a:endParaRPr lang="pl-PL"/>
           </a:p>
@@ -1407,7 +1408,7 @@
           <a:p>
             <a:fld id="{69D9E69E-DC33-4191-875B-EFD2B03B6A9B}" type="datetimeFigureOut">
               <a:rPr lang="pl-PL" smtClean="0"/>
-              <a:t>28.01.2020</a:t>
+              <a:t>31.01.2020</a:t>
             </a:fld>
             <a:endParaRPr lang="pl-PL"/>
           </a:p>
@@ -1819,7 +1820,7 @@
           <a:p>
             <a:fld id="{69D9E69E-DC33-4191-875B-EFD2B03B6A9B}" type="datetimeFigureOut">
               <a:rPr lang="pl-PL" smtClean="0"/>
-              <a:t>28.01.2020</a:t>
+              <a:t>31.01.2020</a:t>
             </a:fld>
             <a:endParaRPr lang="pl-PL"/>
           </a:p>
@@ -1960,7 +1961,7 @@
           <a:p>
             <a:fld id="{69D9E69E-DC33-4191-875B-EFD2B03B6A9B}" type="datetimeFigureOut">
               <a:rPr lang="pl-PL" smtClean="0"/>
-              <a:t>28.01.2020</a:t>
+              <a:t>31.01.2020</a:t>
             </a:fld>
             <a:endParaRPr lang="pl-PL"/>
           </a:p>
@@ -2073,7 +2074,7 @@
           <a:p>
             <a:fld id="{69D9E69E-DC33-4191-875B-EFD2B03B6A9B}" type="datetimeFigureOut">
               <a:rPr lang="pl-PL" smtClean="0"/>
-              <a:t>28.01.2020</a:t>
+              <a:t>31.01.2020</a:t>
             </a:fld>
             <a:endParaRPr lang="pl-PL"/>
           </a:p>
@@ -2384,7 +2385,7 @@
           <a:p>
             <a:fld id="{69D9E69E-DC33-4191-875B-EFD2B03B6A9B}" type="datetimeFigureOut">
               <a:rPr lang="pl-PL" smtClean="0"/>
-              <a:t>28.01.2020</a:t>
+              <a:t>31.01.2020</a:t>
             </a:fld>
             <a:endParaRPr lang="pl-PL"/>
           </a:p>
@@ -2672,7 +2673,7 @@
           <a:p>
             <a:fld id="{69D9E69E-DC33-4191-875B-EFD2B03B6A9B}" type="datetimeFigureOut">
               <a:rPr lang="pl-PL" smtClean="0"/>
-              <a:t>28.01.2020</a:t>
+              <a:t>31.01.2020</a:t>
             </a:fld>
             <a:endParaRPr lang="pl-PL"/>
           </a:p>
@@ -2913,7 +2914,7 @@
           <a:p>
             <a:fld id="{69D9E69E-DC33-4191-875B-EFD2B03B6A9B}" type="datetimeFigureOut">
               <a:rPr lang="pl-PL" smtClean="0"/>
-              <a:t>28.01.2020</a:t>
+              <a:t>31.01.2020</a:t>
             </a:fld>
             <a:endParaRPr lang="pl-PL"/>
           </a:p>
@@ -9137,6 +9138,235 @@
 </p:sld>
 </file>
 
+<file path=ppt/slides/slide6.xml><?xml version="1.0" encoding="utf-8"?>
+<p:sld xmlns:a="http://schemas.openxmlformats.org/drawingml/2006/main" xmlns:r="http://schemas.openxmlformats.org/officeDocument/2006/relationships" xmlns:p="http://schemas.openxmlformats.org/presentationml/2006/main">
+  <p:cSld>
+    <p:spTree>
+      <p:nvGrpSpPr>
+        <p:cNvPr id="1" name=""/>
+        <p:cNvGrpSpPr/>
+        <p:nvPr/>
+      </p:nvGrpSpPr>
+      <p:grpSpPr>
+        <a:xfrm>
+          <a:off x="0" y="0"/>
+          <a:ext cx="0" cy="0"/>
+          <a:chOff x="0" y="0"/>
+          <a:chExt cx="0" cy="0"/>
+        </a:xfrm>
+      </p:grpSpPr>
+      <p:sp>
+        <p:nvSpPr>
+          <p:cNvPr id="2" name="Tytuł 1">
+            <a:extLst>
+              <a:ext uri="{FF2B5EF4-FFF2-40B4-BE49-F238E27FC236}">
+                <a16:creationId xmlns:a16="http://schemas.microsoft.com/office/drawing/2014/main" id="{3DAB8A7A-8E54-42F8-9BCF-6D79D628D204}"/>
+              </a:ext>
+            </a:extLst>
+          </p:cNvPr>
+          <p:cNvSpPr>
+            <a:spLocks noGrp="1"/>
+          </p:cNvSpPr>
+          <p:nvPr>
+            <p:ph type="title"/>
+          </p:nvPr>
+        </p:nvSpPr>
+        <p:spPr/>
+        <p:txBody>
+          <a:bodyPr/>
+          <a:lstStyle/>
+          <a:p>
+            <a:endParaRPr lang="pl-PL"/>
+          </a:p>
+        </p:txBody>
+      </p:sp>
+      <p:sp>
+        <p:nvSpPr>
+          <p:cNvPr id="4" name="Prostokąt 3">
+            <a:extLst>
+              <a:ext uri="{FF2B5EF4-FFF2-40B4-BE49-F238E27FC236}">
+                <a16:creationId xmlns:a16="http://schemas.microsoft.com/office/drawing/2014/main" id="{317822CA-C2D2-4E01-BB9A-AF6BBA2CF411}"/>
+              </a:ext>
+            </a:extLst>
+          </p:cNvPr>
+          <p:cNvSpPr/>
+          <p:nvPr/>
+        </p:nvSpPr>
+        <p:spPr>
+          <a:xfrm>
+            <a:off x="997527" y="2485505"/>
+            <a:ext cx="565266" cy="45719"/>
+          </a:xfrm>
+          <a:prstGeom prst="rect">
+            <a:avLst/>
+          </a:prstGeom>
+          <a:solidFill>
+            <a:srgbClr val="00B050"/>
+          </a:solidFill>
+          <a:ln>
+            <a:noFill/>
+          </a:ln>
+        </p:spPr>
+        <p:style>
+          <a:lnRef idx="2">
+            <a:schemeClr val="accent6">
+              <a:shade val="50000"/>
+            </a:schemeClr>
+          </a:lnRef>
+          <a:fillRef idx="1">
+            <a:schemeClr val="accent6"/>
+          </a:fillRef>
+          <a:effectRef idx="0">
+            <a:schemeClr val="accent6"/>
+          </a:effectRef>
+          <a:fontRef idx="minor">
+            <a:schemeClr val="lt1"/>
+          </a:fontRef>
+        </p:style>
+        <p:txBody>
+          <a:bodyPr rtlCol="0" anchor="ctr"/>
+          <a:lstStyle/>
+          <a:p>
+            <a:pPr algn="ctr"/>
+            <a:endParaRPr lang="pl-PL"/>
+          </a:p>
+        </p:txBody>
+      </p:sp>
+      <p:sp>
+        <p:nvSpPr>
+          <p:cNvPr id="5" name="Prostokąt 4">
+            <a:extLst>
+              <a:ext uri="{FF2B5EF4-FFF2-40B4-BE49-F238E27FC236}">
+                <a16:creationId xmlns:a16="http://schemas.microsoft.com/office/drawing/2014/main" id="{8516FFD4-CFCC-45C9-B013-7237C9C18BB5}"/>
+              </a:ext>
+            </a:extLst>
+          </p:cNvPr>
+          <p:cNvSpPr/>
+          <p:nvPr/>
+        </p:nvSpPr>
+        <p:spPr>
+          <a:xfrm>
+            <a:off x="997527" y="2701636"/>
+            <a:ext cx="565266" cy="45719"/>
+          </a:xfrm>
+          <a:prstGeom prst="rect">
+            <a:avLst/>
+          </a:prstGeom>
+          <a:solidFill>
+            <a:srgbClr val="FF0000"/>
+          </a:solidFill>
+          <a:ln>
+            <a:noFill/>
+          </a:ln>
+        </p:spPr>
+        <p:style>
+          <a:lnRef idx="2">
+            <a:schemeClr val="accent6">
+              <a:shade val="50000"/>
+            </a:schemeClr>
+          </a:lnRef>
+          <a:fillRef idx="1">
+            <a:schemeClr val="accent6"/>
+          </a:fillRef>
+          <a:effectRef idx="0">
+            <a:schemeClr val="accent6"/>
+          </a:effectRef>
+          <a:fontRef idx="minor">
+            <a:schemeClr val="lt1"/>
+          </a:fontRef>
+        </p:style>
+        <p:txBody>
+          <a:bodyPr rtlCol="0" anchor="ctr"/>
+          <a:lstStyle/>
+          <a:p>
+            <a:pPr algn="ctr"/>
+            <a:endParaRPr lang="pl-PL"/>
+          </a:p>
+        </p:txBody>
+      </p:sp>
+      <p:sp>
+        <p:nvSpPr>
+          <p:cNvPr id="6" name="pole tekstowe 5">
+            <a:extLst>
+              <a:ext uri="{FF2B5EF4-FFF2-40B4-BE49-F238E27FC236}">
+                <a16:creationId xmlns:a16="http://schemas.microsoft.com/office/drawing/2014/main" id="{60664135-4C05-44C5-8C9D-96ECCE0E4CF0}"/>
+              </a:ext>
+            </a:extLst>
+          </p:cNvPr>
+          <p:cNvSpPr txBox="1"/>
+          <p:nvPr/>
+        </p:nvSpPr>
+        <p:spPr>
+          <a:xfrm>
+            <a:off x="1629292" y="2593690"/>
+            <a:ext cx="1438103" cy="261610"/>
+          </a:xfrm>
+          <a:prstGeom prst="rect">
+            <a:avLst/>
+          </a:prstGeom>
+          <a:noFill/>
+        </p:spPr>
+        <p:txBody>
+          <a:bodyPr wrap="square" rtlCol="0">
+            <a:spAutoFit/>
+          </a:bodyPr>
+          <a:lstStyle/>
+          <a:p>
+            <a:r>
+              <a:rPr lang="pl-PL" sz="1100" dirty="0"/>
+              <a:t>Centroida nieważona</a:t>
+            </a:r>
+          </a:p>
+        </p:txBody>
+      </p:sp>
+      <p:sp>
+        <p:nvSpPr>
+          <p:cNvPr id="7" name="pole tekstowe 6">
+            <a:extLst>
+              <a:ext uri="{FF2B5EF4-FFF2-40B4-BE49-F238E27FC236}">
+                <a16:creationId xmlns:a16="http://schemas.microsoft.com/office/drawing/2014/main" id="{0E318B6A-EEA4-4E88-B18D-C80897248EA5}"/>
+              </a:ext>
+            </a:extLst>
+          </p:cNvPr>
+          <p:cNvSpPr txBox="1"/>
+          <p:nvPr/>
+        </p:nvSpPr>
+        <p:spPr>
+          <a:xfrm>
+            <a:off x="1629292" y="2377559"/>
+            <a:ext cx="1438103" cy="261610"/>
+          </a:xfrm>
+          <a:prstGeom prst="rect">
+            <a:avLst/>
+          </a:prstGeom>
+          <a:noFill/>
+        </p:spPr>
+        <p:txBody>
+          <a:bodyPr wrap="square" rtlCol="0">
+            <a:spAutoFit/>
+          </a:bodyPr>
+          <a:lstStyle/>
+          <a:p>
+            <a:r>
+              <a:rPr lang="pl-PL" sz="1100" dirty="0"/>
+              <a:t>Centroida ważona</a:t>
+            </a:r>
+          </a:p>
+        </p:txBody>
+      </p:sp>
+    </p:spTree>
+    <p:extLst>
+      <p:ext uri="{BB962C8B-B14F-4D97-AF65-F5344CB8AC3E}">
+        <p14:creationId xmlns:p14="http://schemas.microsoft.com/office/powerpoint/2010/main" val="951115348"/>
+      </p:ext>
+    </p:extLst>
+  </p:cSld>
+  <p:clrMapOvr>
+    <a:masterClrMapping/>
+  </p:clrMapOvr>
+</p:sld>
+</file>
+
 <file path=ppt/theme/theme1.xml><?xml version="1.0" encoding="utf-8"?>
 <a:theme xmlns:a="http://schemas.openxmlformats.org/drawingml/2006/main" name="Motyw pakietu Office">
   <a:themeElements>
